--- a/figures/v14/flow_chart/gen_fig_most_updated.pptx
+++ b/figures/v14/flow_chart/gen_fig_most_updated.pptx
@@ -3064,8 +3064,8 @@
                 <a:chExt cx="5603284" cy="3304650"/>
               </a:xfrm>
             </p:grpSpPr>
-            <mc:AlternateContent xmlns:mc="http://schemas.openxmlformats.org/markup-compatibility/2006">
-              <mc:Choice xmlns:a14="http://schemas.microsoft.com/office/drawing/2010/main" Requires="a14">
+            <mc:AlternateContent xmlns:mc="http://schemas.openxmlformats.org/markup-compatibility/2006" xmlns:a14="http://schemas.microsoft.com/office/drawing/2010/main">
+              <mc:Choice Requires="a14">
                 <p:sp>
                   <p:nvSpPr>
                     <p:cNvPr id="4" name="TextBox 3">
@@ -3232,7 +3232,7 @@
                   </p:txBody>
                 </p:sp>
               </mc:Choice>
-              <mc:Fallback>
+              <mc:Fallback xmlns="">
                 <p:sp>
                   <p:nvSpPr>
                     <p:cNvPr id="4" name="TextBox 3">
@@ -4503,8 +4503,8 @@
               </p:txBody>
             </p:sp>
           </p:grpSp>
-          <mc:AlternateContent xmlns:mc="http://schemas.openxmlformats.org/markup-compatibility/2006">
-            <mc:Choice xmlns:a14="http://schemas.microsoft.com/office/drawing/2010/main" Requires="a14">
+          <mc:AlternateContent xmlns:mc="http://schemas.openxmlformats.org/markup-compatibility/2006" xmlns:a14="http://schemas.microsoft.com/office/drawing/2010/main">
+            <mc:Choice Requires="a14">
               <p:sp>
                 <p:nvSpPr>
                   <p:cNvPr id="12" name="TextBox 11">
@@ -4690,7 +4690,7 @@
                 </p:txBody>
               </p:sp>
             </mc:Choice>
-            <mc:Fallback>
+            <mc:Fallback xmlns="">
               <p:sp>
                 <p:nvSpPr>
                   <p:cNvPr id="12" name="TextBox 11">
@@ -4740,8 +4740,8 @@
               </p:sp>
             </mc:Fallback>
           </mc:AlternateContent>
-          <mc:AlternateContent xmlns:mc="http://schemas.openxmlformats.org/markup-compatibility/2006">
-            <mc:Choice xmlns:a14="http://schemas.microsoft.com/office/drawing/2010/main" Requires="a14">
+          <mc:AlternateContent xmlns:mc="http://schemas.openxmlformats.org/markup-compatibility/2006" xmlns:a14="http://schemas.microsoft.com/office/drawing/2010/main">
+            <mc:Choice Requires="a14">
               <p:sp>
                 <p:nvSpPr>
                   <p:cNvPr id="9" name="TextBox 8">
@@ -4927,7 +4927,7 @@
                 </p:txBody>
               </p:sp>
             </mc:Choice>
-            <mc:Fallback>
+            <mc:Fallback xmlns="">
               <p:sp>
                 <p:nvSpPr>
                   <p:cNvPr id="9" name="TextBox 8">
@@ -5696,8 +5696,8 @@
               </a:fontRef>
             </p:style>
           </p:cxnSp>
-          <mc:AlternateContent xmlns:mc="http://schemas.openxmlformats.org/markup-compatibility/2006">
-            <mc:Choice xmlns:a14="http://schemas.microsoft.com/office/drawing/2010/main" Requires="a14">
+          <mc:AlternateContent xmlns:mc="http://schemas.openxmlformats.org/markup-compatibility/2006" xmlns:a14="http://schemas.microsoft.com/office/drawing/2010/main">
+            <mc:Choice Requires="a14">
               <p:sp>
                 <p:nvSpPr>
                   <p:cNvPr id="5" name="TextBox 4">
@@ -5864,7 +5864,7 @@
                 </p:txBody>
               </p:sp>
             </mc:Choice>
-            <mc:Fallback>
+            <mc:Fallback xmlns="">
               <p:sp>
                 <p:nvSpPr>
                   <p:cNvPr id="5" name="TextBox 4">
@@ -5914,8 +5914,8 @@
               </p:sp>
             </mc:Fallback>
           </mc:AlternateContent>
-          <mc:AlternateContent xmlns:mc="http://schemas.openxmlformats.org/markup-compatibility/2006">
-            <mc:Choice xmlns:a14="http://schemas.microsoft.com/office/drawing/2010/main" Requires="a14">
+          <mc:AlternateContent xmlns:mc="http://schemas.openxmlformats.org/markup-compatibility/2006" xmlns:a14="http://schemas.microsoft.com/office/drawing/2010/main">
+            <mc:Choice Requires="a14">
               <p:sp>
                 <p:nvSpPr>
                   <p:cNvPr id="40" name="TextBox 39">
@@ -6101,7 +6101,7 @@
                 </p:txBody>
               </p:sp>
             </mc:Choice>
-            <mc:Fallback>
+            <mc:Fallback xmlns="">
               <p:sp>
                 <p:nvSpPr>
                   <p:cNvPr id="40" name="TextBox 39">
@@ -6307,133 +6307,112 @@
             </a:p>
           </p:txBody>
         </p:sp>
-        <p:grpSp>
-          <p:nvGrpSpPr>
-            <p:cNvPr id="10" name="Group 9">
+        <p:sp>
+          <p:nvSpPr>
+            <p:cNvPr id="9" name="TextBox 8">
               <a:extLst>
                 <a:ext uri="{FF2B5EF4-FFF2-40B4-BE49-F238E27FC236}">
-                  <a16:creationId xmlns:a16="http://schemas.microsoft.com/office/drawing/2014/main" id="{03D1EC5E-83A8-7049-A648-8AA5A11F06F5}"/>
+                  <a16:creationId xmlns:a16="http://schemas.microsoft.com/office/drawing/2014/main" id="{44C408DB-BA89-D24C-8265-BB56DAF3C3FF}"/>
                 </a:ext>
               </a:extLst>
             </p:cNvPr>
-            <p:cNvGrpSpPr/>
+            <p:cNvSpPr txBox="1"/>
             <p:nvPr/>
-          </p:nvGrpSpPr>
-          <p:grpSpPr>
+          </p:nvSpPr>
+          <p:spPr>
             <a:xfrm>
-              <a:off x="407145" y="978570"/>
-              <a:ext cx="5777041" cy="2926091"/>
-              <a:chOff x="407145" y="978570"/>
-              <a:chExt cx="5777041" cy="2926091"/>
+              <a:off x="1536085" y="3649629"/>
+              <a:ext cx="3511154" cy="369332"/>
             </a:xfrm>
-          </p:grpSpPr>
-          <p:pic>
-            <p:nvPicPr>
-              <p:cNvPr id="6" name="Picture 5">
-                <a:extLst>
-                  <a:ext uri="{FF2B5EF4-FFF2-40B4-BE49-F238E27FC236}">
-                    <a16:creationId xmlns:a16="http://schemas.microsoft.com/office/drawing/2014/main" id="{95A353C1-B83D-AA4D-A49A-2CDF2CCEB6E3}"/>
-                  </a:ext>
-                </a:extLst>
-              </p:cNvPr>
-              <p:cNvPicPr>
-                <a:picLocks noChangeAspect="1"/>
-              </p:cNvPicPr>
-              <p:nvPr/>
-            </p:nvPicPr>
-            <p:blipFill>
-              <a:blip r:embed="rId2"/>
-              <a:stretch>
-                <a:fillRect/>
-              </a:stretch>
-            </p:blipFill>
-            <p:spPr>
-              <a:xfrm>
-                <a:off x="407145" y="978570"/>
-                <a:ext cx="2828355" cy="2356416"/>
-              </a:xfrm>
-              <a:prstGeom prst="rect">
-                <a:avLst/>
-              </a:prstGeom>
-              <a:ln w="19050">
-                <a:solidFill>
-                  <a:schemeClr val="tx1"/>
-                </a:solidFill>
-              </a:ln>
-            </p:spPr>
-          </p:pic>
-          <p:pic>
-            <p:nvPicPr>
-              <p:cNvPr id="8" name="Picture 7">
-                <a:extLst>
-                  <a:ext uri="{FF2B5EF4-FFF2-40B4-BE49-F238E27FC236}">
-                    <a16:creationId xmlns:a16="http://schemas.microsoft.com/office/drawing/2014/main" id="{C77CFF59-2D01-5949-9F66-16C5DA0A8220}"/>
-                  </a:ext>
-                </a:extLst>
-              </p:cNvPr>
-              <p:cNvPicPr>
-                <a:picLocks noChangeAspect="1"/>
-              </p:cNvPicPr>
-              <p:nvPr/>
-            </p:nvPicPr>
-            <p:blipFill>
-              <a:blip r:embed="rId3"/>
-              <a:stretch>
-                <a:fillRect/>
-              </a:stretch>
-            </p:blipFill>
-            <p:spPr>
-              <a:xfrm>
-                <a:off x="3355831" y="978570"/>
-                <a:ext cx="2828355" cy="2356416"/>
-              </a:xfrm>
-              <a:prstGeom prst="rect">
-                <a:avLst/>
-              </a:prstGeom>
-              <a:ln w="19050">
-                <a:solidFill>
-                  <a:schemeClr val="tx1"/>
-                </a:solidFill>
-              </a:ln>
-            </p:spPr>
-          </p:pic>
-          <p:sp>
-            <p:nvSpPr>
-              <p:cNvPr id="9" name="TextBox 8">
-                <a:extLst>
-                  <a:ext uri="{FF2B5EF4-FFF2-40B4-BE49-F238E27FC236}">
-                    <a16:creationId xmlns:a16="http://schemas.microsoft.com/office/drawing/2014/main" id="{44C408DB-BA89-D24C-8265-BB56DAF3C3FF}"/>
-                  </a:ext>
-                </a:extLst>
-              </p:cNvPr>
-              <p:cNvSpPr txBox="1"/>
-              <p:nvPr/>
-            </p:nvSpPr>
-            <p:spPr>
-              <a:xfrm>
-                <a:off x="1536085" y="3535329"/>
-                <a:ext cx="3511154" cy="369332"/>
-              </a:xfrm>
-              <a:prstGeom prst="rect">
-                <a:avLst/>
-              </a:prstGeom>
-              <a:noFill/>
-            </p:spPr>
-            <p:txBody>
-              <a:bodyPr wrap="none" rtlCol="0">
-                <a:spAutoFit/>
-              </a:bodyPr>
-              <a:lstStyle/>
-              <a:p>
-                <a:r>
-                  <a:rPr lang="en-US" dirty="0"/>
-                  <a:t>Diagnose the origin of concept drift</a:t>
-                </a:r>
-              </a:p>
-            </p:txBody>
-          </p:sp>
-        </p:grpSp>
+            <a:prstGeom prst="rect">
+              <a:avLst/>
+            </a:prstGeom>
+            <a:noFill/>
+          </p:spPr>
+          <p:txBody>
+            <a:bodyPr wrap="none" rtlCol="0">
+              <a:spAutoFit/>
+            </a:bodyPr>
+            <a:lstStyle/>
+            <a:p>
+              <a:r>
+                <a:rPr lang="en-US" dirty="0"/>
+                <a:t>Diagnose the origin of concept drift</a:t>
+              </a:r>
+            </a:p>
+          </p:txBody>
+        </p:sp>
       </p:grpSp>
+      <p:pic>
+        <p:nvPicPr>
+          <p:cNvPr id="3" name="Picture 2">
+            <a:extLst>
+              <a:ext uri="{FF2B5EF4-FFF2-40B4-BE49-F238E27FC236}">
+                <a16:creationId xmlns:a16="http://schemas.microsoft.com/office/drawing/2014/main" id="{D1628B8D-8C44-E74D-ACEF-56799B0389FE}"/>
+              </a:ext>
+            </a:extLst>
+          </p:cNvPr>
+          <p:cNvPicPr>
+            <a:picLocks noChangeAspect="1"/>
+          </p:cNvPicPr>
+          <p:nvPr/>
+        </p:nvPicPr>
+        <p:blipFill>
+          <a:blip r:embed="rId2"/>
+          <a:stretch>
+            <a:fillRect/>
+          </a:stretch>
+        </p:blipFill>
+        <p:spPr>
+          <a:xfrm>
+            <a:off x="5049655" y="935196"/>
+            <a:ext cx="2001379" cy="2922059"/>
+          </a:xfrm>
+          <a:prstGeom prst="rect">
+            <a:avLst/>
+          </a:prstGeom>
+          <a:ln w="19050">
+            <a:solidFill>
+              <a:schemeClr val="tx1"/>
+            </a:solidFill>
+          </a:ln>
+        </p:spPr>
+      </p:pic>
+      <p:pic>
+        <p:nvPicPr>
+          <p:cNvPr id="7" name="Picture 6">
+            <a:extLst>
+              <a:ext uri="{FF2B5EF4-FFF2-40B4-BE49-F238E27FC236}">
+                <a16:creationId xmlns:a16="http://schemas.microsoft.com/office/drawing/2014/main" id="{EDAB300E-FA72-0147-80FF-E634D74AE088}"/>
+              </a:ext>
+            </a:extLst>
+          </p:cNvPr>
+          <p:cNvPicPr>
+            <a:picLocks noChangeAspect="1"/>
+          </p:cNvPicPr>
+          <p:nvPr/>
+        </p:nvPicPr>
+        <p:blipFill>
+          <a:blip r:embed="rId3"/>
+          <a:stretch>
+            <a:fillRect/>
+          </a:stretch>
+        </p:blipFill>
+        <p:spPr>
+          <a:xfrm>
+            <a:off x="2099592" y="926344"/>
+            <a:ext cx="2004133" cy="2926080"/>
+          </a:xfrm>
+          <a:prstGeom prst="rect">
+            <a:avLst/>
+          </a:prstGeom>
+          <a:ln w="19050">
+            <a:solidFill>
+              <a:schemeClr val="tx1"/>
+            </a:solidFill>
+          </a:ln>
+        </p:spPr>
+      </p:pic>
     </p:spTree>
     <p:extLst>
       <p:ext uri="{BB962C8B-B14F-4D97-AF65-F5344CB8AC3E}">

--- a/figures/v14/flow_chart/gen_fig_most_updated.pptx
+++ b/figures/v14/flow_chart/gen_fig_most_updated.pptx
@@ -245,7 +245,7 @@
           <a:p>
             <a:fld id="{AC1F32C0-9D6C-C745-86B7-7A480FC22073}" type="datetimeFigureOut">
               <a:rPr lang="en-US" smtClean="0"/>
-              <a:t>2/5/20</a:t>
+              <a:t>3/28/20</a:t>
             </a:fld>
             <a:endParaRPr lang="en-US"/>
           </a:p>
@@ -415,7 +415,7 @@
           <a:p>
             <a:fld id="{AC1F32C0-9D6C-C745-86B7-7A480FC22073}" type="datetimeFigureOut">
               <a:rPr lang="en-US" smtClean="0"/>
-              <a:t>2/5/20</a:t>
+              <a:t>3/28/20</a:t>
             </a:fld>
             <a:endParaRPr lang="en-US"/>
           </a:p>
@@ -595,7 +595,7 @@
           <a:p>
             <a:fld id="{AC1F32C0-9D6C-C745-86B7-7A480FC22073}" type="datetimeFigureOut">
               <a:rPr lang="en-US" smtClean="0"/>
-              <a:t>2/5/20</a:t>
+              <a:t>3/28/20</a:t>
             </a:fld>
             <a:endParaRPr lang="en-US"/>
           </a:p>
@@ -765,7 +765,7 @@
           <a:p>
             <a:fld id="{AC1F32C0-9D6C-C745-86B7-7A480FC22073}" type="datetimeFigureOut">
               <a:rPr lang="en-US" smtClean="0"/>
-              <a:t>2/5/20</a:t>
+              <a:t>3/28/20</a:t>
             </a:fld>
             <a:endParaRPr lang="en-US"/>
           </a:p>
@@ -1011,7 +1011,7 @@
           <a:p>
             <a:fld id="{AC1F32C0-9D6C-C745-86B7-7A480FC22073}" type="datetimeFigureOut">
               <a:rPr lang="en-US" smtClean="0"/>
-              <a:t>2/5/20</a:t>
+              <a:t>3/28/20</a:t>
             </a:fld>
             <a:endParaRPr lang="en-US"/>
           </a:p>
@@ -1243,7 +1243,7 @@
           <a:p>
             <a:fld id="{AC1F32C0-9D6C-C745-86B7-7A480FC22073}" type="datetimeFigureOut">
               <a:rPr lang="en-US" smtClean="0"/>
-              <a:t>2/5/20</a:t>
+              <a:t>3/28/20</a:t>
             </a:fld>
             <a:endParaRPr lang="en-US"/>
           </a:p>
@@ -1610,7 +1610,7 @@
           <a:p>
             <a:fld id="{AC1F32C0-9D6C-C745-86B7-7A480FC22073}" type="datetimeFigureOut">
               <a:rPr lang="en-US" smtClean="0"/>
-              <a:t>2/5/20</a:t>
+              <a:t>3/28/20</a:t>
             </a:fld>
             <a:endParaRPr lang="en-US"/>
           </a:p>
@@ -1728,7 +1728,7 @@
           <a:p>
             <a:fld id="{AC1F32C0-9D6C-C745-86B7-7A480FC22073}" type="datetimeFigureOut">
               <a:rPr lang="en-US" smtClean="0"/>
-              <a:t>2/5/20</a:t>
+              <a:t>3/28/20</a:t>
             </a:fld>
             <a:endParaRPr lang="en-US"/>
           </a:p>
@@ -1823,7 +1823,7 @@
           <a:p>
             <a:fld id="{AC1F32C0-9D6C-C745-86B7-7A480FC22073}" type="datetimeFigureOut">
               <a:rPr lang="en-US" smtClean="0"/>
-              <a:t>2/5/20</a:t>
+              <a:t>3/28/20</a:t>
             </a:fld>
             <a:endParaRPr lang="en-US"/>
           </a:p>
@@ -2100,7 +2100,7 @@
           <a:p>
             <a:fld id="{AC1F32C0-9D6C-C745-86B7-7A480FC22073}" type="datetimeFigureOut">
               <a:rPr lang="en-US" smtClean="0"/>
-              <a:t>2/5/20</a:t>
+              <a:t>3/28/20</a:t>
             </a:fld>
             <a:endParaRPr lang="en-US"/>
           </a:p>
@@ -2357,7 +2357,7 @@
           <a:p>
             <a:fld id="{AC1F32C0-9D6C-C745-86B7-7A480FC22073}" type="datetimeFigureOut">
               <a:rPr lang="en-US" smtClean="0"/>
-              <a:t>2/5/20</a:t>
+              <a:t>3/28/20</a:t>
             </a:fld>
             <a:endParaRPr lang="en-US"/>
           </a:p>
@@ -2570,7 +2570,7 @@
           <a:p>
             <a:fld id="{AC1F32C0-9D6C-C745-86B7-7A480FC22073}" type="datetimeFigureOut">
               <a:rPr lang="en-US" smtClean="0"/>
-              <a:t>2/5/20</a:t>
+              <a:t>3/28/20</a:t>
             </a:fld>
             <a:endParaRPr lang="en-US"/>
           </a:p>
